--- a/output/modernWorship/All-Glory.pptx
+++ b/output/modernWorship/All-Glory.pptx
@@ -739,7 +739,7 @@
           <a:lstStyle/>
           <a:p>
             <a:r>
-              <a:t>(Repeat Chorus 2x)</a:t>
+              <a:t>Bridge</a:t>
             </a:r>
             <a:br/>
             <a:r>
@@ -3800,7 +3800,7 @@
             </a:r>
             <a:br/>
             <a:r>
-              <a:t>You have made a way </a:t>
+              <a:t>You have made a way</a:t>
             </a:r>
             <a:br/>
           </a:p>
@@ -4014,7 +4014,7 @@
             </a:r>
             <a:br/>
             <a:r>
-              <a:t>Lead me in Your ways </a:t>
+              <a:t>Lead me in Your ways</a:t>
             </a:r>
             <a:br/>
           </a:p>
@@ -4101,14 +4101,9 @@
           <a:lstStyle/>
           <a:p/>
           <a:p>
-            <a:br/>
             <a:pPr>
               <a:defRPr sz="2500"/>
             </a:pPr>
-            <a:r>
-              <a:t>Bridge</a:t>
-            </a:r>
-            <a:br/>
             <a:r>
               <a:t>Lift Him higher, He is mighty</a:t>
             </a:r>
@@ -4147,7 +4142,7 @@
               <a:defRPr sz="1200"/>
             </a:pPr>
             <a:r>
-              <a:t>(Repeat Chorus 2x)</a:t>
+              <a:t>Bridge</a:t>
             </a:r>
             <a:br/>
             <a:r>
